--- a/Federated Learning in Medicine.pptx
+++ b/Federated Learning in Medicine.pptx
@@ -3336,7 +3336,7 @@
                 <a:latin typeface="Segoe UI Light" panose="020B0502040204020203" pitchFamily="34" charset="0"/>
                 <a:cs typeface="Segoe UI Light" panose="020B0502040204020203" pitchFamily="34" charset="0"/>
               </a:rPr>
-              <a:t>Cnclusione</a:t>
+              <a:t>Cnclusioni</a:t>
             </a:r>
             <a:endParaRPr lang="it-IT" dirty="0">
               <a:latin typeface="Segoe UI Light" panose="020B0502040204020203" pitchFamily="34" charset="0"/>
@@ -3406,11 +3406,18 @@
           <a:p>
             <a:pPr rtl="0"/>
             <a:r>
+              <a:rPr lang="en-US" b="1" dirty="0">
+                <a:latin typeface="Times New Roman" panose="02020603050405020304" pitchFamily="18" charset="0"/>
+                <a:cs typeface="Times New Roman" panose="02020603050405020304" pitchFamily="18" charset="0"/>
+              </a:rPr>
+              <a:t>O</a:t>
+            </a:r>
+            <a:r>
               <a:rPr lang="it-IT" b="1" dirty="0">
                 <a:latin typeface="Times New Roman" panose="02020603050405020304" pitchFamily="18" charset="0"/>
                 <a:cs typeface="Times New Roman" panose="02020603050405020304" pitchFamily="18" charset="0"/>
               </a:rPr>
-              <a:t>Idea di base</a:t>
+              <a:t>bbiettivi</a:t>
             </a:r>
           </a:p>
         </p:txBody>
